--- a/desenho/desenho_proposta.pptx
+++ b/desenho/desenho_proposta.pptx
@@ -246,7 +246,7 @@
           <a:p>
             <a:fld id="{E6E4C8EE-8F30-4ABB-8FFD-F6FAC0A5DBE8}" type="datetimeFigureOut">
               <a:rPr lang="en-US" smtClean="0"/>
-              <a:t>08/11/2024</a:t>
+              <a:t>08/30/2024</a:t>
             </a:fld>
             <a:endParaRPr lang="en-US"/>
           </a:p>
@@ -416,7 +416,7 @@
           <a:p>
             <a:fld id="{E6E4C8EE-8F30-4ABB-8FFD-F6FAC0A5DBE8}" type="datetimeFigureOut">
               <a:rPr lang="en-US" smtClean="0"/>
-              <a:t>08/11/2024</a:t>
+              <a:t>08/30/2024</a:t>
             </a:fld>
             <a:endParaRPr lang="en-US"/>
           </a:p>
@@ -596,7 +596,7 @@
           <a:p>
             <a:fld id="{E6E4C8EE-8F30-4ABB-8FFD-F6FAC0A5DBE8}" type="datetimeFigureOut">
               <a:rPr lang="en-US" smtClean="0"/>
-              <a:t>08/11/2024</a:t>
+              <a:t>08/30/2024</a:t>
             </a:fld>
             <a:endParaRPr lang="en-US"/>
           </a:p>
@@ -766,7 +766,7 @@
           <a:p>
             <a:fld id="{E6E4C8EE-8F30-4ABB-8FFD-F6FAC0A5DBE8}" type="datetimeFigureOut">
               <a:rPr lang="en-US" smtClean="0"/>
-              <a:t>08/11/2024</a:t>
+              <a:t>08/30/2024</a:t>
             </a:fld>
             <a:endParaRPr lang="en-US"/>
           </a:p>
@@ -1012,7 +1012,7 @@
           <a:p>
             <a:fld id="{E6E4C8EE-8F30-4ABB-8FFD-F6FAC0A5DBE8}" type="datetimeFigureOut">
               <a:rPr lang="en-US" smtClean="0"/>
-              <a:t>08/11/2024</a:t>
+              <a:t>08/30/2024</a:t>
             </a:fld>
             <a:endParaRPr lang="en-US"/>
           </a:p>
@@ -1244,7 +1244,7 @@
           <a:p>
             <a:fld id="{E6E4C8EE-8F30-4ABB-8FFD-F6FAC0A5DBE8}" type="datetimeFigureOut">
               <a:rPr lang="en-US" smtClean="0"/>
-              <a:t>08/11/2024</a:t>
+              <a:t>08/30/2024</a:t>
             </a:fld>
             <a:endParaRPr lang="en-US"/>
           </a:p>
@@ -1611,7 +1611,7 @@
           <a:p>
             <a:fld id="{E6E4C8EE-8F30-4ABB-8FFD-F6FAC0A5DBE8}" type="datetimeFigureOut">
               <a:rPr lang="en-US" smtClean="0"/>
-              <a:t>08/11/2024</a:t>
+              <a:t>08/30/2024</a:t>
             </a:fld>
             <a:endParaRPr lang="en-US"/>
           </a:p>
@@ -1729,7 +1729,7 @@
           <a:p>
             <a:fld id="{E6E4C8EE-8F30-4ABB-8FFD-F6FAC0A5DBE8}" type="datetimeFigureOut">
               <a:rPr lang="en-US" smtClean="0"/>
-              <a:t>08/11/2024</a:t>
+              <a:t>08/30/2024</a:t>
             </a:fld>
             <a:endParaRPr lang="en-US"/>
           </a:p>
@@ -1824,7 +1824,7 @@
           <a:p>
             <a:fld id="{E6E4C8EE-8F30-4ABB-8FFD-F6FAC0A5DBE8}" type="datetimeFigureOut">
               <a:rPr lang="en-US" smtClean="0"/>
-              <a:t>08/11/2024</a:t>
+              <a:t>08/30/2024</a:t>
             </a:fld>
             <a:endParaRPr lang="en-US"/>
           </a:p>
@@ -2101,7 +2101,7 @@
           <a:p>
             <a:fld id="{E6E4C8EE-8F30-4ABB-8FFD-F6FAC0A5DBE8}" type="datetimeFigureOut">
               <a:rPr lang="en-US" smtClean="0"/>
-              <a:t>08/11/2024</a:t>
+              <a:t>08/30/2024</a:t>
             </a:fld>
             <a:endParaRPr lang="en-US"/>
           </a:p>
@@ -2358,7 +2358,7 @@
           <a:p>
             <a:fld id="{E6E4C8EE-8F30-4ABB-8FFD-F6FAC0A5DBE8}" type="datetimeFigureOut">
               <a:rPr lang="en-US" smtClean="0"/>
-              <a:t>08/11/2024</a:t>
+              <a:t>08/30/2024</a:t>
             </a:fld>
             <a:endParaRPr lang="en-US"/>
           </a:p>
@@ -2571,7 +2571,7 @@
           <a:p>
             <a:fld id="{E6E4C8EE-8F30-4ABB-8FFD-F6FAC0A5DBE8}" type="datetimeFigureOut">
               <a:rPr lang="en-US" smtClean="0"/>
-              <a:t>08/11/2024</a:t>
+              <a:t>08/30/2024</a:t>
             </a:fld>
             <a:endParaRPr lang="en-US"/>
           </a:p>
@@ -6641,8 +6641,12 @@
               <a:buChar char="•"/>
             </a:pPr>
             <a:r>
+              <a:rPr lang="en-US" sz="1600" dirty="0"/>
+              <a:t>Cota </a:t>
+            </a:r>
+            <a:r>
               <a:rPr lang="en-US" sz="1600" dirty="0" err="1"/>
-              <a:t>Densidade</a:t>
+              <a:t>Parte</a:t>
             </a:r>
             <a:r>
               <a:rPr lang="en-US" sz="1600" dirty="0"/>
@@ -6650,7 +6654,7 @@
             </a:r>
             <a:r>
               <a:rPr lang="en-US" sz="1600" dirty="0" err="1"/>
-              <a:t>Habitacional</a:t>
+              <a:t>Observada</a:t>
             </a:r>
             <a:endParaRPr lang="en-US" sz="1600" dirty="0"/>
           </a:p>
